--- a/H01_Recursion/01 Presentacion/H01_3_PPT-Merge_Sort.pptx
+++ b/H01_Recursion/01 Presentacion/H01_3_PPT-Merge_Sort.pptx
@@ -231,7 +231,7 @@
           <a:p>
             <a:fld id="{6AB1AF17-118D-084A-9561-24C354C6B611}" type="datetimeFigureOut">
               <a:rPr lang="es-ES_tradnl" smtClean="0"/>
-              <a:t>19/04/2020</a:t>
+              <a:t>02/02/2021</a:t>
             </a:fld>
             <a:endParaRPr lang="es-ES_tradnl"/>
           </a:p>
@@ -730,7 +730,7 @@
           <a:p>
             <a:fld id="{2167A42A-8D4A-48BE-87EF-28C7E229D938}" type="datetimeFigureOut">
               <a:rPr lang="en-US" smtClean="0"/>
-              <a:t>4/19/2020</a:t>
+              <a:t>2/2/2021</a:t>
             </a:fld>
             <a:endParaRPr lang="en-US"/>
           </a:p>
@@ -928,7 +928,7 @@
           <a:p>
             <a:fld id="{2167A42A-8D4A-48BE-87EF-28C7E229D938}" type="datetimeFigureOut">
               <a:rPr lang="en-US" smtClean="0"/>
-              <a:t>4/19/2020</a:t>
+              <a:t>2/2/2021</a:t>
             </a:fld>
             <a:endParaRPr lang="en-US"/>
           </a:p>
@@ -1136,7 +1136,7 @@
           <a:p>
             <a:fld id="{2167A42A-8D4A-48BE-87EF-28C7E229D938}" type="datetimeFigureOut">
               <a:rPr lang="en-US" smtClean="0"/>
-              <a:t>4/19/2020</a:t>
+              <a:t>2/2/2021</a:t>
             </a:fld>
             <a:endParaRPr lang="en-US"/>
           </a:p>
@@ -1498,7 +1498,7 @@
           <a:p>
             <a:fld id="{2167A42A-8D4A-48BE-87EF-28C7E229D938}" type="datetimeFigureOut">
               <a:rPr lang="en-US" smtClean="0"/>
-              <a:t>4/19/2020</a:t>
+              <a:t>2/2/2021</a:t>
             </a:fld>
             <a:endParaRPr lang="en-US"/>
           </a:p>
@@ -1773,7 +1773,7 @@
           <a:p>
             <a:fld id="{2167A42A-8D4A-48BE-87EF-28C7E229D938}" type="datetimeFigureOut">
               <a:rPr lang="en-US" smtClean="0"/>
-              <a:t>4/19/2020</a:t>
+              <a:t>2/2/2021</a:t>
             </a:fld>
             <a:endParaRPr lang="en-US"/>
           </a:p>
@@ -2038,7 +2038,7 @@
           <a:p>
             <a:fld id="{2167A42A-8D4A-48BE-87EF-28C7E229D938}" type="datetimeFigureOut">
               <a:rPr lang="en-US" smtClean="0"/>
-              <a:t>4/19/2020</a:t>
+              <a:t>2/2/2021</a:t>
             </a:fld>
             <a:endParaRPr lang="en-US"/>
           </a:p>
@@ -2450,7 +2450,7 @@
           <a:p>
             <a:fld id="{2167A42A-8D4A-48BE-87EF-28C7E229D938}" type="datetimeFigureOut">
               <a:rPr lang="en-US" smtClean="0"/>
-              <a:t>4/19/2020</a:t>
+              <a:t>2/2/2021</a:t>
             </a:fld>
             <a:endParaRPr lang="en-US"/>
           </a:p>
@@ -2591,7 +2591,7 @@
           <a:p>
             <a:fld id="{2167A42A-8D4A-48BE-87EF-28C7E229D938}" type="datetimeFigureOut">
               <a:rPr lang="en-US" smtClean="0"/>
-              <a:t>4/19/2020</a:t>
+              <a:t>2/2/2021</a:t>
             </a:fld>
             <a:endParaRPr lang="en-US"/>
           </a:p>
@@ -2704,7 +2704,7 @@
           <a:p>
             <a:fld id="{2167A42A-8D4A-48BE-87EF-28C7E229D938}" type="datetimeFigureOut">
               <a:rPr lang="en-US" smtClean="0"/>
-              <a:t>4/19/2020</a:t>
+              <a:t>2/2/2021</a:t>
             </a:fld>
             <a:endParaRPr lang="en-US"/>
           </a:p>
@@ -3015,7 +3015,7 @@
           <a:p>
             <a:fld id="{2167A42A-8D4A-48BE-87EF-28C7E229D938}" type="datetimeFigureOut">
               <a:rPr lang="en-US" smtClean="0"/>
-              <a:t>4/19/2020</a:t>
+              <a:t>2/2/2021</a:t>
             </a:fld>
             <a:endParaRPr lang="en-US"/>
           </a:p>
@@ -3303,7 +3303,7 @@
           <a:p>
             <a:fld id="{2167A42A-8D4A-48BE-87EF-28C7E229D938}" type="datetimeFigureOut">
               <a:rPr lang="en-US" smtClean="0"/>
-              <a:t>4/19/2020</a:t>
+              <a:t>2/2/2021</a:t>
             </a:fld>
             <a:endParaRPr lang="en-US"/>
           </a:p>
@@ -3544,7 +3544,7 @@
           <a:p>
             <a:fld id="{2167A42A-8D4A-48BE-87EF-28C7E229D938}" type="datetimeFigureOut">
               <a:rPr lang="en-US" smtClean="0"/>
-              <a:t>4/19/2020</a:t>
+              <a:t>2/2/2021</a:t>
             </a:fld>
             <a:endParaRPr lang="en-US"/>
           </a:p>
@@ -3995,7 +3995,7 @@
                 <a:latin typeface="PMingLiU" panose="020B0604030504040204" pitchFamily="18" charset="-120"/>
                 <a:ea typeface="PMingLiU" panose="020B0604030504040204" pitchFamily="18" charset="-120"/>
               </a:rPr>
-              <a:t>Módulo 8: Recursión</a:t>
+              <a:t>Módulo 1: Recursión</a:t>
             </a:r>
           </a:p>
           <a:p>
